--- a/PptxXML.Tests/Resource/007_2 slides.pptx
+++ b/PptxXML.Tests/Resource/007_2 slides.pptx
@@ -262,7 +262,7 @@
           <a:p>
             <a:fld id="{2638AAA8-BCC5-4F10-BE49-E27B80A547D2}" type="datetimeFigureOut">
               <a:rPr lang="en-US" smtClean="0"/>
-              <a:t>12/1/2019</a:t>
+              <a:t>12/6/2019</a:t>
             </a:fld>
             <a:endParaRPr lang="en-US"/>
           </a:p>
@@ -462,7 +462,7 @@
           <a:p>
             <a:fld id="{2638AAA8-BCC5-4F10-BE49-E27B80A547D2}" type="datetimeFigureOut">
               <a:rPr lang="en-US" smtClean="0"/>
-              <a:t>12/1/2019</a:t>
+              <a:t>12/6/2019</a:t>
             </a:fld>
             <a:endParaRPr lang="en-US"/>
           </a:p>
@@ -672,7 +672,7 @@
           <a:p>
             <a:fld id="{2638AAA8-BCC5-4F10-BE49-E27B80A547D2}" type="datetimeFigureOut">
               <a:rPr lang="en-US" smtClean="0"/>
-              <a:t>12/1/2019</a:t>
+              <a:t>12/6/2019</a:t>
             </a:fld>
             <a:endParaRPr lang="en-US"/>
           </a:p>
@@ -872,7 +872,7 @@
           <a:p>
             <a:fld id="{2638AAA8-BCC5-4F10-BE49-E27B80A547D2}" type="datetimeFigureOut">
               <a:rPr lang="en-US" smtClean="0"/>
-              <a:t>12/1/2019</a:t>
+              <a:t>12/6/2019</a:t>
             </a:fld>
             <a:endParaRPr lang="en-US"/>
           </a:p>
@@ -1148,7 +1148,7 @@
           <a:p>
             <a:fld id="{2638AAA8-BCC5-4F10-BE49-E27B80A547D2}" type="datetimeFigureOut">
               <a:rPr lang="en-US" smtClean="0"/>
-              <a:t>12/1/2019</a:t>
+              <a:t>12/6/2019</a:t>
             </a:fld>
             <a:endParaRPr lang="en-US"/>
           </a:p>
@@ -1416,7 +1416,7 @@
           <a:p>
             <a:fld id="{2638AAA8-BCC5-4F10-BE49-E27B80A547D2}" type="datetimeFigureOut">
               <a:rPr lang="en-US" smtClean="0"/>
-              <a:t>12/1/2019</a:t>
+              <a:t>12/6/2019</a:t>
             </a:fld>
             <a:endParaRPr lang="en-US"/>
           </a:p>
@@ -1831,7 +1831,7 @@
           <a:p>
             <a:fld id="{2638AAA8-BCC5-4F10-BE49-E27B80A547D2}" type="datetimeFigureOut">
               <a:rPr lang="en-US" smtClean="0"/>
-              <a:t>12/1/2019</a:t>
+              <a:t>12/6/2019</a:t>
             </a:fld>
             <a:endParaRPr lang="en-US"/>
           </a:p>
@@ -1973,7 +1973,7 @@
           <a:p>
             <a:fld id="{2638AAA8-BCC5-4F10-BE49-E27B80A547D2}" type="datetimeFigureOut">
               <a:rPr lang="en-US" smtClean="0"/>
-              <a:t>12/1/2019</a:t>
+              <a:t>12/6/2019</a:t>
             </a:fld>
             <a:endParaRPr lang="en-US"/>
           </a:p>
@@ -2086,7 +2086,7 @@
           <a:p>
             <a:fld id="{2638AAA8-BCC5-4F10-BE49-E27B80A547D2}" type="datetimeFigureOut">
               <a:rPr lang="en-US" smtClean="0"/>
-              <a:t>12/1/2019</a:t>
+              <a:t>12/6/2019</a:t>
             </a:fld>
             <a:endParaRPr lang="en-US"/>
           </a:p>
@@ -2399,7 +2399,7 @@
           <a:p>
             <a:fld id="{2638AAA8-BCC5-4F10-BE49-E27B80A547D2}" type="datetimeFigureOut">
               <a:rPr lang="en-US" smtClean="0"/>
-              <a:t>12/1/2019</a:t>
+              <a:t>12/6/2019</a:t>
             </a:fld>
             <a:endParaRPr lang="en-US"/>
           </a:p>
@@ -2688,7 +2688,7 @@
           <a:p>
             <a:fld id="{2638AAA8-BCC5-4F10-BE49-E27B80A547D2}" type="datetimeFigureOut">
               <a:rPr lang="en-US" smtClean="0"/>
-              <a:t>12/1/2019</a:t>
+              <a:t>12/6/2019</a:t>
             </a:fld>
             <a:endParaRPr lang="en-US"/>
           </a:p>
@@ -2931,7 +2931,7 @@
           <a:p>
             <a:fld id="{2638AAA8-BCC5-4F10-BE49-E27B80A547D2}" type="datetimeFigureOut">
               <a:rPr lang="en-US" smtClean="0"/>
-              <a:t>12/1/2019</a:t>
+              <a:t>12/6/2019</a:t>
             </a:fld>
             <a:endParaRPr lang="en-US"/>
           </a:p>
@@ -3408,39 +3408,6 @@
       </p:grpSpPr>
       <p:sp>
         <p:nvSpPr>
-          <p:cNvPr id="2" name="Заголовок 1">
-            <a:extLst>
-              <a:ext uri="{FF2B5EF4-FFF2-40B4-BE49-F238E27FC236}">
-                <a16:creationId xmlns:a16="http://schemas.microsoft.com/office/drawing/2014/main" id="{44FA19F8-D01F-4E9D-A3B6-6E191795FCA6}"/>
-              </a:ext>
-            </a:extLst>
-          </p:cNvPr>
-          <p:cNvSpPr>
-            <a:spLocks noGrp="1"/>
-          </p:cNvSpPr>
-          <p:nvPr>
-            <p:ph type="ctrTitle"/>
-          </p:nvPr>
-        </p:nvSpPr>
-        <p:spPr>
-          <a:xfrm>
-            <a:off x="1524000" y="1122363"/>
-            <a:ext cx="9144000" cy="1385167"/>
-          </a:xfrm>
-        </p:spPr>
-        <p:txBody>
-          <a:bodyPr/>
-          <a:lstStyle/>
-          <a:p>
-            <a:r>
-              <a:rPr lang="en-US" dirty="0"/>
-              <a:t>My title2</a:t>
-            </a:r>
-          </a:p>
-        </p:txBody>
-      </p:sp>
-      <p:sp>
-        <p:nvSpPr>
           <p:cNvPr id="3" name="Прямоугольник 2">
             <a:extLst>
               <a:ext uri="{FF2B5EF4-FFF2-40B4-BE49-F238E27FC236}">
@@ -3454,6 +3421,52 @@
         <p:spPr>
           <a:xfrm>
             <a:off x="2554664" y="3429000"/>
+            <a:ext cx="6297105" cy="1171280"/>
+          </a:xfrm>
+          <a:prstGeom prst="rect">
+            <a:avLst/>
+          </a:prstGeom>
+        </p:spPr>
+        <p:style>
+          <a:lnRef idx="2">
+            <a:schemeClr val="accent1">
+              <a:shade val="50000"/>
+            </a:schemeClr>
+          </a:lnRef>
+          <a:fillRef idx="1">
+            <a:schemeClr val="accent1"/>
+          </a:fillRef>
+          <a:effectRef idx="0">
+            <a:schemeClr val="accent1"/>
+          </a:effectRef>
+          <a:fontRef idx="minor">
+            <a:schemeClr val="lt1"/>
+          </a:fontRef>
+        </p:style>
+        <p:txBody>
+          <a:bodyPr rtlCol="0" anchor="ctr"/>
+          <a:lstStyle/>
+          <a:p>
+            <a:pPr algn="ctr"/>
+            <a:endParaRPr lang="ru-UA"/>
+          </a:p>
+        </p:txBody>
+      </p:sp>
+      <p:sp>
+        <p:nvSpPr>
+          <p:cNvPr id="6" name="Прямоугольник 5">
+            <a:extLst>
+              <a:ext uri="{FF2B5EF4-FFF2-40B4-BE49-F238E27FC236}">
+                <a16:creationId xmlns:a16="http://schemas.microsoft.com/office/drawing/2014/main" id="{B8E04E3C-35DE-4944-8AF7-377C33EF7601}"/>
+              </a:ext>
+            </a:extLst>
+          </p:cNvPr>
+          <p:cNvSpPr/>
+          <p:nvPr/>
+        </p:nvSpPr>
+        <p:spPr>
+          <a:xfrm>
+            <a:off x="2498104" y="2033833"/>
             <a:ext cx="6297105" cy="1171280"/>
           </a:xfrm>
           <a:prstGeom prst="rect">
